--- a/Git 入門.pptx
+++ b/Git 入門.pptx
@@ -54,11 +54,10 @@
     <p:sldId id="301" r:id="rId48"/>
     <p:sldId id="302" r:id="rId49"/>
     <p:sldId id="303" r:id="rId50"/>
-    <p:sldId id="304" r:id="rId51"/>
-    <p:sldId id="305" r:id="rId52"/>
-    <p:sldId id="306" r:id="rId53"/>
-    <p:sldId id="307" r:id="rId54"/>
-    <p:sldId id="308" r:id="rId55"/>
+    <p:sldId id="305" r:id="rId51"/>
+    <p:sldId id="306" r:id="rId52"/>
+    <p:sldId id="307" r:id="rId53"/>
+    <p:sldId id="308" r:id="rId54"/>
   </p:sldIdLst>
   <p:sldSz cx="12192000" cy="6858000"/>
   <p:notesSz cx="6858000" cy="9144000"/>
@@ -15818,6 +15817,10 @@
               <a:rPr lang="en-US" altLang="zh-CN" dirty="0"/>
               <a:t>Show log</a:t>
             </a:r>
+            <a:r>
+              <a:rPr lang="zh-TW" altLang="en-US" dirty="0"/>
+              <a:t/>
+            </a:r>
             <a:br>
               <a:rPr lang="zh-TW" altLang="en-US" dirty="0"/>
             </a:br>
@@ -20067,6 +20070,10 @@
               <a:rPr lang="zh-CN" altLang="en-US" dirty="0"/>
               <a:t>，會多出</a:t>
             </a:r>
+            <a:r>
+              <a:rPr lang="en-US" altLang="zh-CN" dirty="0"/>
+              <a:t/>
+            </a:r>
             <a:br>
               <a:rPr lang="en-US" altLang="zh-CN" dirty="0"/>
             </a:br>
@@ -20106,6 +20113,10 @@
             <a:r>
               <a:rPr lang="zh-CN" altLang="en-US" dirty="0"/>
               <a:t>代表目前在那裡，但是缺少一個東西</a:t>
+            </a:r>
+            <a:r>
+              <a:rPr lang="en-US" altLang="zh-CN" dirty="0"/>
+              <a:t/>
             </a:r>
             <a:br>
               <a:rPr lang="en-US" altLang="zh-CN" dirty="0"/>
@@ -22024,6 +22035,10 @@
               <a:rPr lang="zh-CN" altLang="en-US" dirty="0"/>
               <a:t>，</a:t>
             </a:r>
+            <a:r>
+              <a:rPr lang="en-US" altLang="zh-CN" dirty="0"/>
+              <a:t/>
+            </a:r>
             <a:br>
               <a:rPr lang="en-US" altLang="zh-CN" dirty="0"/>
             </a:br>
@@ -28066,6 +28081,10 @@
             <a:r>
               <a:rPr lang="zh-CN" altLang="en-US" dirty="0"/>
               <a:t>分支也有</a:t>
+            </a:r>
+            <a:r>
+              <a:rPr lang="en-US" altLang="zh-CN" dirty="0"/>
+              <a:t/>
             </a:r>
             <a:br>
               <a:rPr lang="en-US" altLang="zh-CN" dirty="0"/>
@@ -33093,6 +33112,13 @@
   <p:clrMapOvr>
     <a:masterClrMapping/>
   </p:clrMapOvr>
+  <p:timing>
+    <p:tnLst>
+      <p:par>
+        <p:cTn id="1" dur="indefinite" restart="never" nodeType="tmRoot"/>
+      </p:par>
+    </p:tnLst>
+  </p:timing>
 </p:sld>
 </file>
 
@@ -33194,6 +33220,13 @@
   <p:clrMapOvr>
     <a:masterClrMapping/>
   </p:clrMapOvr>
+  <p:timing>
+    <p:tnLst>
+      <p:par>
+        <p:cTn id="1" dur="indefinite" restart="never" nodeType="tmRoot"/>
+      </p:par>
+    </p:tnLst>
+  </p:timing>
 </p:sld>
 </file>
 
@@ -33230,12 +33263,16 @@
           <a:lstStyle/>
           <a:p>
             <a:r>
+              <a:rPr lang="zh-CN" altLang="en-US" dirty="0"/>
+              <a:t>多久</a:t>
+            </a:r>
+            <a:r>
               <a:rPr lang="en-US" altLang="zh-CN" dirty="0"/>
-              <a:t>Best </a:t>
-            </a:r>
-            <a:r>
-              <a:rPr lang="en-US" altLang="zh-CN" dirty="0" err="1"/>
-              <a:t>Practise</a:t>
+              <a:t>commit</a:t>
+            </a:r>
+            <a:r>
+              <a:rPr lang="zh-CN" altLang="en-US" dirty="0"/>
+              <a:t>一次</a:t>
             </a:r>
             <a:endParaRPr lang="zh-TW" altLang="en-US" dirty="0"/>
           </a:p>
@@ -33243,12 +33280,12 @@
       </p:sp>
       <p:sp>
         <p:nvSpPr>
-          <p:cNvPr id="5" name="文字版面配置區 4"/>
+          <p:cNvPr id="5" name="內容版面配置區 4"/>
           <p:cNvSpPr>
             <a:spLocks noGrp="1"/>
           </p:cNvSpPr>
           <p:nvPr>
-            <p:ph type="body" idx="1"/>
+            <p:ph idx="1"/>
           </p:nvPr>
         </p:nvSpPr>
         <p:spPr/>
@@ -33256,20 +33293,136 @@
           <a:bodyPr/>
           <a:lstStyle/>
           <a:p>
-            <a:endParaRPr lang="zh-TW" altLang="en-US"/>
+            <a:r>
+              <a:rPr lang="zh-CN" altLang="en-US" dirty="0"/>
+              <a:t>請記住一個原則</a:t>
+            </a:r>
+            <a:endParaRPr lang="en-US" altLang="zh-CN" dirty="0"/>
+          </a:p>
+          <a:p>
+            <a:endParaRPr lang="en-US" altLang="zh-TW" dirty="0"/>
+          </a:p>
+          <a:p>
+            <a:r>
+              <a:rPr lang="zh-CN" altLang="en-US" dirty="0"/>
+              <a:t>每一個</a:t>
+            </a:r>
+            <a:r>
+              <a:rPr lang="en-US" altLang="zh-CN" dirty="0"/>
+              <a:t>commit</a:t>
+            </a:r>
+            <a:r>
+              <a:rPr lang="zh-CN" altLang="en-US" dirty="0"/>
+              <a:t>是</a:t>
+            </a:r>
+            <a:r>
+              <a:rPr lang="en-US" altLang="zh-CN" dirty="0"/>
+              <a:t>minimum working unit</a:t>
+            </a:r>
+          </a:p>
+          <a:p>
+            <a:pPr lvl="1"/>
+            <a:r>
+              <a:rPr lang="zh-CN" altLang="en-US" dirty="0"/>
+              <a:t>意思是最小可運作的單位</a:t>
+            </a:r>
+            <a:endParaRPr lang="en-US" altLang="zh-CN" dirty="0"/>
+          </a:p>
+          <a:p>
+            <a:pPr lvl="1"/>
+            <a:r>
+              <a:rPr lang="zh-CN" altLang="en-US" dirty="0"/>
+              <a:t>換句話說，只要完成一個小的</a:t>
+            </a:r>
+            <a:r>
+              <a:rPr lang="en-US" altLang="zh-CN" dirty="0"/>
+              <a:t>task</a:t>
+            </a:r>
+            <a:r>
+              <a:rPr lang="zh-CN" altLang="en-US" dirty="0"/>
+              <a:t>，就</a:t>
+            </a:r>
+            <a:r>
+              <a:rPr lang="en-US" altLang="zh-CN" dirty="0"/>
+              <a:t>commit</a:t>
+            </a:r>
+          </a:p>
+          <a:p>
+            <a:pPr lvl="1"/>
+            <a:endParaRPr lang="en-US" altLang="zh-CN" dirty="0"/>
+          </a:p>
+          <a:p>
+            <a:r>
+              <a:rPr lang="zh-CN" altLang="en-US" dirty="0"/>
+              <a:t>請不要一個</a:t>
+            </a:r>
+            <a:r>
+              <a:rPr lang="en-US" altLang="zh-CN" dirty="0"/>
+              <a:t>commit</a:t>
+            </a:r>
+            <a:r>
+              <a:rPr lang="zh-CN" altLang="en-US" dirty="0"/>
+              <a:t>裡面有</a:t>
+            </a:r>
+            <a:r>
+              <a:rPr lang="en-US" altLang="zh-CN" dirty="0"/>
+              <a:t>3~4</a:t>
+            </a:r>
+            <a:r>
+              <a:rPr lang="zh-CN" altLang="en-US" dirty="0"/>
+              <a:t>個</a:t>
+            </a:r>
+            <a:r>
+              <a:rPr lang="zh-CN" altLang="en-US" sz="2400" b="1" dirty="0">
+                <a:solidFill>
+                  <a:srgbClr val="FF0000"/>
+                </a:solidFill>
+              </a:rPr>
+              <a:t>不同性質</a:t>
+            </a:r>
+            <a:r>
+              <a:rPr lang="zh-CN" altLang="en-US" dirty="0"/>
+              <a:t>功能的修改</a:t>
+            </a:r>
+            <a:endParaRPr lang="en-US" altLang="zh-CN" dirty="0"/>
+          </a:p>
+          <a:p>
+            <a:endParaRPr lang="en-US" altLang="zh-CN" dirty="0"/>
+          </a:p>
+          <a:p>
+            <a:r>
+              <a:rPr lang="zh-CN" altLang="en-US" dirty="0"/>
+              <a:t>建立好的</a:t>
+            </a:r>
+            <a:r>
+              <a:rPr lang="en-US" altLang="zh-CN" dirty="0"/>
+              <a:t>commit</a:t>
+            </a:r>
+            <a:r>
+              <a:rPr lang="zh-CN" altLang="en-US" dirty="0"/>
+              <a:t>歷史記錄對於未來很有幫助</a:t>
+            </a:r>
+            <a:endParaRPr lang="en-US" altLang="zh-CN" dirty="0"/>
           </a:p>
         </p:txBody>
       </p:sp>
     </p:spTree>
     <p:extLst>
       <p:ext uri="{BB962C8B-B14F-4D97-AF65-F5344CB8AC3E}">
-        <p14:creationId xmlns:p14="http://schemas.microsoft.com/office/powerpoint/2010/main" val="3420894486"/>
+        <p14:creationId xmlns:p14="http://schemas.microsoft.com/office/powerpoint/2010/main" val="2486182122"/>
       </p:ext>
     </p:extLst>
   </p:cSld>
   <p:clrMapOvr>
     <a:masterClrMapping/>
   </p:clrMapOvr>
+  <p:timing>
+    <p:tnLst>
+      <p:par>
+        <p:cTn id="1" dur="indefinite" restart="never" nodeType="tmRoot"/>
+      </p:par>
+    </p:tnLst>
+  </p:timing>
 </p:sld>
 </file>
 
@@ -33460,195 +33613,6 @@
           <a:lstStyle/>
           <a:p>
             <a:r>
-              <a:rPr lang="zh-CN" altLang="en-US" dirty="0"/>
-              <a:t>多久</a:t>
-            </a:r>
-            <a:r>
-              <a:rPr lang="en-US" altLang="zh-CN" dirty="0"/>
-              <a:t>commit</a:t>
-            </a:r>
-            <a:r>
-              <a:rPr lang="zh-CN" altLang="en-US" dirty="0"/>
-              <a:t>一次</a:t>
-            </a:r>
-            <a:endParaRPr lang="zh-TW" altLang="en-US" dirty="0"/>
-          </a:p>
-        </p:txBody>
-      </p:sp>
-      <p:sp>
-        <p:nvSpPr>
-          <p:cNvPr id="5" name="內容版面配置區 4"/>
-          <p:cNvSpPr>
-            <a:spLocks noGrp="1"/>
-          </p:cNvSpPr>
-          <p:nvPr>
-            <p:ph idx="1"/>
-          </p:nvPr>
-        </p:nvSpPr>
-        <p:spPr/>
-        <p:txBody>
-          <a:bodyPr/>
-          <a:lstStyle/>
-          <a:p>
-            <a:r>
-              <a:rPr lang="zh-CN" altLang="en-US" dirty="0"/>
-              <a:t>請記住一個原則</a:t>
-            </a:r>
-            <a:endParaRPr lang="en-US" altLang="zh-CN" dirty="0"/>
-          </a:p>
-          <a:p>
-            <a:endParaRPr lang="en-US" altLang="zh-TW" dirty="0"/>
-          </a:p>
-          <a:p>
-            <a:r>
-              <a:rPr lang="zh-CN" altLang="en-US" dirty="0"/>
-              <a:t>每一個</a:t>
-            </a:r>
-            <a:r>
-              <a:rPr lang="en-US" altLang="zh-CN" dirty="0"/>
-              <a:t>commit</a:t>
-            </a:r>
-            <a:r>
-              <a:rPr lang="zh-CN" altLang="en-US" dirty="0"/>
-              <a:t>是</a:t>
-            </a:r>
-            <a:r>
-              <a:rPr lang="en-US" altLang="zh-CN" dirty="0"/>
-              <a:t>minimum working unit</a:t>
-            </a:r>
-          </a:p>
-          <a:p>
-            <a:pPr lvl="1"/>
-            <a:r>
-              <a:rPr lang="zh-CN" altLang="en-US" dirty="0"/>
-              <a:t>意思是最小可運作的單位</a:t>
-            </a:r>
-            <a:endParaRPr lang="en-US" altLang="zh-CN" dirty="0"/>
-          </a:p>
-          <a:p>
-            <a:pPr lvl="1"/>
-            <a:r>
-              <a:rPr lang="zh-CN" altLang="en-US" dirty="0"/>
-              <a:t>換句話說，只要完成一個小的</a:t>
-            </a:r>
-            <a:r>
-              <a:rPr lang="en-US" altLang="zh-CN" dirty="0"/>
-              <a:t>task</a:t>
-            </a:r>
-            <a:r>
-              <a:rPr lang="zh-CN" altLang="en-US" dirty="0"/>
-              <a:t>，就</a:t>
-            </a:r>
-            <a:r>
-              <a:rPr lang="en-US" altLang="zh-CN" dirty="0"/>
-              <a:t>commit</a:t>
-            </a:r>
-          </a:p>
-          <a:p>
-            <a:pPr lvl="1"/>
-            <a:endParaRPr lang="en-US" altLang="zh-CN" dirty="0"/>
-          </a:p>
-          <a:p>
-            <a:r>
-              <a:rPr lang="zh-CN" altLang="en-US" dirty="0"/>
-              <a:t>請不要一個</a:t>
-            </a:r>
-            <a:r>
-              <a:rPr lang="en-US" altLang="zh-CN" dirty="0"/>
-              <a:t>commit</a:t>
-            </a:r>
-            <a:r>
-              <a:rPr lang="zh-CN" altLang="en-US" dirty="0"/>
-              <a:t>裡面有</a:t>
-            </a:r>
-            <a:r>
-              <a:rPr lang="en-US" altLang="zh-CN" dirty="0"/>
-              <a:t>3~4</a:t>
-            </a:r>
-            <a:r>
-              <a:rPr lang="zh-CN" altLang="en-US" dirty="0"/>
-              <a:t>個</a:t>
-            </a:r>
-            <a:r>
-              <a:rPr lang="zh-CN" altLang="en-US" sz="2400" b="1" dirty="0">
-                <a:solidFill>
-                  <a:srgbClr val="FF0000"/>
-                </a:solidFill>
-              </a:rPr>
-              <a:t>不同性質</a:t>
-            </a:r>
-            <a:r>
-              <a:rPr lang="zh-CN" altLang="en-US" dirty="0"/>
-              <a:t>功能的修改</a:t>
-            </a:r>
-            <a:endParaRPr lang="en-US" altLang="zh-CN" dirty="0"/>
-          </a:p>
-          <a:p>
-            <a:endParaRPr lang="en-US" altLang="zh-CN" dirty="0"/>
-          </a:p>
-          <a:p>
-            <a:r>
-              <a:rPr lang="zh-CN" altLang="en-US" dirty="0"/>
-              <a:t>建立好的</a:t>
-            </a:r>
-            <a:r>
-              <a:rPr lang="en-US" altLang="zh-CN" dirty="0"/>
-              <a:t>commit</a:t>
-            </a:r>
-            <a:r>
-              <a:rPr lang="zh-CN" altLang="en-US" dirty="0"/>
-              <a:t>歷史記錄對於未來很有幫助</a:t>
-            </a:r>
-            <a:endParaRPr lang="en-US" altLang="zh-CN" dirty="0"/>
-          </a:p>
-        </p:txBody>
-      </p:sp>
-    </p:spTree>
-    <p:extLst>
-      <p:ext uri="{BB962C8B-B14F-4D97-AF65-F5344CB8AC3E}">
-        <p14:creationId xmlns:p14="http://schemas.microsoft.com/office/powerpoint/2010/main" val="2486182122"/>
-      </p:ext>
-    </p:extLst>
-  </p:cSld>
-  <p:clrMapOvr>
-    <a:masterClrMapping/>
-  </p:clrMapOvr>
-</p:sld>
-</file>
-
-<file path=ppt/slides/slide51.xml><?xml version="1.0" encoding="utf-8"?>
-<p:sld xmlns:a="http://schemas.openxmlformats.org/drawingml/2006/main" xmlns:r="http://schemas.openxmlformats.org/officeDocument/2006/relationships" xmlns:p="http://schemas.openxmlformats.org/presentationml/2006/main">
-  <p:cSld>
-    <p:spTree>
-      <p:nvGrpSpPr>
-        <p:cNvPr id="1" name=""/>
-        <p:cNvGrpSpPr/>
-        <p:nvPr/>
-      </p:nvGrpSpPr>
-      <p:grpSpPr>
-        <a:xfrm>
-          <a:off x="0" y="0"/>
-          <a:ext cx="0" cy="0"/>
-          <a:chOff x="0" y="0"/>
-          <a:chExt cx="0" cy="0"/>
-        </a:xfrm>
-      </p:grpSpPr>
-      <p:sp>
-        <p:nvSpPr>
-          <p:cNvPr id="4" name="標題 3"/>
-          <p:cNvSpPr>
-            <a:spLocks noGrp="1"/>
-          </p:cNvSpPr>
-          <p:nvPr>
-            <p:ph type="title"/>
-          </p:nvPr>
-        </p:nvSpPr>
-        <p:spPr/>
-        <p:txBody>
-          <a:bodyPr/>
-          <a:lstStyle/>
-          <a:p>
-            <a:r>
               <a:rPr lang="en-US" altLang="zh-CN" dirty="0"/>
               <a:t>Commit Message</a:t>
             </a:r>
@@ -33803,10 +33767,17 @@
   <p:clrMapOvr>
     <a:masterClrMapping/>
   </p:clrMapOvr>
+  <p:timing>
+    <p:tnLst>
+      <p:par>
+        <p:cTn id="1" dur="indefinite" restart="never" nodeType="tmRoot"/>
+      </p:par>
+    </p:tnLst>
+  </p:timing>
 </p:sld>
 </file>
 
-<file path=ppt/slides/slide52.xml><?xml version="1.0" encoding="utf-8"?>
+<file path=ppt/slides/slide51.xml><?xml version="1.0" encoding="utf-8"?>
 <p:sld xmlns:a="http://schemas.openxmlformats.org/drawingml/2006/main" xmlns:r="http://schemas.openxmlformats.org/officeDocument/2006/relationships" xmlns:p="http://schemas.openxmlformats.org/presentationml/2006/main">
   <p:cSld>
     <p:spTree>
@@ -33945,7 +33916,7 @@
 </p:sld>
 </file>
 
-<file path=ppt/slides/slide53.xml><?xml version="1.0" encoding="utf-8"?>
+<file path=ppt/slides/slide52.xml><?xml version="1.0" encoding="utf-8"?>
 <p:sld xmlns:a="http://schemas.openxmlformats.org/drawingml/2006/main" xmlns:r="http://schemas.openxmlformats.org/officeDocument/2006/relationships" xmlns:p="http://schemas.openxmlformats.org/presentationml/2006/main">
   <p:cSld>
     <p:spTree>
@@ -34215,6 +34186,10 @@
             <a:r>
               <a:rPr lang="en-US" altLang="zh-TW" dirty="0" err="1"/>
               <a:t>Git</a:t>
+            </a:r>
+            <a:r>
+              <a:rPr lang="en-US" altLang="zh-TW" dirty="0"/>
+              <a:t/>
             </a:r>
             <a:br>
               <a:rPr lang="en-US" altLang="zh-TW" dirty="0"/>
@@ -35050,7 +35025,7 @@
   <a:extraClrSchemeLst/>
   <a:extLst>
     <a:ext uri="{05A4C25C-085E-4340-85A3-A5531E510DB2}">
-      <thm15:themeFamily xmlns:thm15="http://schemas.microsoft.com/office/thememl/2012/main" name="Ion" id="{B8441ADB-2E43-4AF7-B97A-BD870242C6A8}" vid="{292E63A9-BB86-4E3D-B92A-7223C6510D2E}"/>
+      <thm15:themeFamily xmlns:thm15="http://schemas.microsoft.com/office/thememl/2012/main" xmlns="" name="Ion" id="{B8441ADB-2E43-4AF7-B97A-BD870242C6A8}" vid="{292E63A9-BB86-4E3D-B92A-7223C6510D2E}"/>
     </a:ext>
   </a:extLst>
 </a:theme>
@@ -35316,7 +35291,7 @@
   <a:extraClrSchemeLst/>
   <a:extLst>
     <a:ext uri="{05A4C25C-085E-4340-85A3-A5531E510DB2}">
-      <thm15:themeFamily xmlns:thm15="http://schemas.microsoft.com/office/thememl/2012/main" name="Ion" id="{B8441ADB-2E43-4AF7-B97A-BD870242C6A8}" vid="{292E63A9-BB86-4E3D-B92A-7223C6510D2E}"/>
+      <thm15:themeFamily xmlns:thm15="http://schemas.microsoft.com/office/thememl/2012/main" xmlns="" name="Ion" id="{B8441ADB-2E43-4AF7-B97A-BD870242C6A8}" vid="{292E63A9-BB86-4E3D-B92A-7223C6510D2E}"/>
     </a:ext>
   </a:extLst>
 </a:theme>
